--- a/Constructing Quadratic Surface with Nine Points in GeoGebra4.pptx
+++ b/Constructing Quadratic Surface with Nine Points in GeoGebra4.pptx
@@ -15,6 +15,7 @@
     <p:sldId id="266" r:id="rId9"/>
     <p:sldId id="267" r:id="rId10"/>
     <p:sldId id="268" r:id="rId11"/>
+    <p:sldId id="269" r:id="rId12"/>
   </p:sldIdLst>
   <p:sldSz cx="9144000" cy="5143500" type="screen16x9"/>
   <p:notesSz cx="6797675" cy="9926638"/>
@@ -298,7 +299,7 @@
             <a:fld id="{C9ED8ED9-4B5D-432E-B8BD-3B3E334BB77A}" type="datetimeFigureOut">
               <a:rPr lang="et-EE" smtClean="0"/>
               <a:pPr/>
-              <a:t>20.09.2019</a:t>
+              <a:t>21.09.2019</a:t>
             </a:fld>
             <a:endParaRPr lang="et-EE"/>
           </a:p>
@@ -465,7 +466,7 @@
             <a:fld id="{C9ED8ED9-4B5D-432E-B8BD-3B3E334BB77A}" type="datetimeFigureOut">
               <a:rPr lang="et-EE" smtClean="0"/>
               <a:pPr/>
-              <a:t>20.09.2019</a:t>
+              <a:t>21.09.2019</a:t>
             </a:fld>
             <a:endParaRPr lang="et-EE"/>
           </a:p>
@@ -642,7 +643,7 @@
             <a:fld id="{C9ED8ED9-4B5D-432E-B8BD-3B3E334BB77A}" type="datetimeFigureOut">
               <a:rPr lang="et-EE" smtClean="0"/>
               <a:pPr/>
-              <a:t>20.09.2019</a:t>
+              <a:t>21.09.2019</a:t>
             </a:fld>
             <a:endParaRPr lang="et-EE"/>
           </a:p>
@@ -809,7 +810,7 @@
             <a:fld id="{C9ED8ED9-4B5D-432E-B8BD-3B3E334BB77A}" type="datetimeFigureOut">
               <a:rPr lang="et-EE" smtClean="0"/>
               <a:pPr/>
-              <a:t>20.09.2019</a:t>
+              <a:t>21.09.2019</a:t>
             </a:fld>
             <a:endParaRPr lang="et-EE"/>
           </a:p>
@@ -1052,7 +1053,7 @@
             <a:fld id="{C9ED8ED9-4B5D-432E-B8BD-3B3E334BB77A}" type="datetimeFigureOut">
               <a:rPr lang="et-EE" smtClean="0"/>
               <a:pPr/>
-              <a:t>20.09.2019</a:t>
+              <a:t>21.09.2019</a:t>
             </a:fld>
             <a:endParaRPr lang="et-EE"/>
           </a:p>
@@ -1337,7 +1338,7 @@
             <a:fld id="{C9ED8ED9-4B5D-432E-B8BD-3B3E334BB77A}" type="datetimeFigureOut">
               <a:rPr lang="et-EE" smtClean="0"/>
               <a:pPr/>
-              <a:t>20.09.2019</a:t>
+              <a:t>21.09.2019</a:t>
             </a:fld>
             <a:endParaRPr lang="et-EE"/>
           </a:p>
@@ -1756,7 +1757,7 @@
             <a:fld id="{C9ED8ED9-4B5D-432E-B8BD-3B3E334BB77A}" type="datetimeFigureOut">
               <a:rPr lang="et-EE" smtClean="0"/>
               <a:pPr/>
-              <a:t>20.09.2019</a:t>
+              <a:t>21.09.2019</a:t>
             </a:fld>
             <a:endParaRPr lang="et-EE"/>
           </a:p>
@@ -1871,7 +1872,7 @@
             <a:fld id="{C9ED8ED9-4B5D-432E-B8BD-3B3E334BB77A}" type="datetimeFigureOut">
               <a:rPr lang="et-EE" smtClean="0"/>
               <a:pPr/>
-              <a:t>20.09.2019</a:t>
+              <a:t>21.09.2019</a:t>
             </a:fld>
             <a:endParaRPr lang="et-EE"/>
           </a:p>
@@ -1963,7 +1964,7 @@
             <a:fld id="{C9ED8ED9-4B5D-432E-B8BD-3B3E334BB77A}" type="datetimeFigureOut">
               <a:rPr lang="et-EE" smtClean="0"/>
               <a:pPr/>
-              <a:t>20.09.2019</a:t>
+              <a:t>21.09.2019</a:t>
             </a:fld>
             <a:endParaRPr lang="et-EE"/>
           </a:p>
@@ -2237,7 +2238,7 @@
             <a:fld id="{C9ED8ED9-4B5D-432E-B8BD-3B3E334BB77A}" type="datetimeFigureOut">
               <a:rPr lang="et-EE" smtClean="0"/>
               <a:pPr/>
-              <a:t>20.09.2019</a:t>
+              <a:t>21.09.2019</a:t>
             </a:fld>
             <a:endParaRPr lang="et-EE"/>
           </a:p>
@@ -2487,7 +2488,7 @@
             <a:fld id="{C9ED8ED9-4B5D-432E-B8BD-3B3E334BB77A}" type="datetimeFigureOut">
               <a:rPr lang="et-EE" smtClean="0"/>
               <a:pPr/>
-              <a:t>20.09.2019</a:t>
+              <a:t>21.09.2019</a:t>
             </a:fld>
             <a:endParaRPr lang="et-EE"/>
           </a:p>
@@ -2697,7 +2698,7 @@
             <a:fld id="{C9ED8ED9-4B5D-432E-B8BD-3B3E334BB77A}" type="datetimeFigureOut">
               <a:rPr lang="et-EE" smtClean="0"/>
               <a:pPr/>
-              <a:t>20.09.2019</a:t>
+              <a:t>21.09.2019</a:t>
             </a:fld>
             <a:endParaRPr lang="et-EE"/>
           </a:p>
@@ -4207,6 +4208,152 @@
       <p:bldP spid="15" grpId="0" build="p"/>
     </p:bldLst>
   </p:timing>
+</p:sld>
+</file>
+
+<file path=ppt/slides/slide11.xml><?xml version="1.0" encoding="utf-8"?>
+<p:sld xmlns:a="http://schemas.openxmlformats.org/drawingml/2006/main" xmlns:r="http://schemas.openxmlformats.org/officeDocument/2006/relationships" xmlns:p="http://schemas.openxmlformats.org/presentationml/2006/main">
+  <p:cSld>
+    <p:spTree>
+      <p:nvGrpSpPr>
+        <p:cNvPr id="1" name=""/>
+        <p:cNvGrpSpPr/>
+        <p:nvPr/>
+      </p:nvGrpSpPr>
+      <p:grpSpPr>
+        <a:xfrm>
+          <a:off x="0" y="0"/>
+          <a:ext cx="0" cy="0"/>
+          <a:chOff x="0" y="0"/>
+          <a:chExt cx="0" cy="0"/>
+        </a:xfrm>
+      </p:grpSpPr>
+      <p:sp>
+        <p:nvSpPr>
+          <p:cNvPr id="2" name="Title 1"/>
+          <p:cNvSpPr>
+            <a:spLocks noGrp="1"/>
+          </p:cNvSpPr>
+          <p:nvPr>
+            <p:ph type="title"/>
+          </p:nvPr>
+        </p:nvSpPr>
+        <p:spPr/>
+        <p:txBody>
+          <a:bodyPr/>
+          <a:lstStyle/>
+          <a:p>
+            <a:endParaRPr lang="et-EE" dirty="0"/>
+          </a:p>
+        </p:txBody>
+      </p:sp>
+      <p:sp>
+        <p:nvSpPr>
+          <p:cNvPr id="3" name="Content Placeholder 2"/>
+          <p:cNvSpPr>
+            <a:spLocks noGrp="1"/>
+          </p:cNvSpPr>
+          <p:nvPr>
+            <p:ph idx="1"/>
+          </p:nvPr>
+        </p:nvSpPr>
+        <p:spPr/>
+        <p:txBody>
+          <a:bodyPr>
+            <a:normAutofit fontScale="92500" lnSpcReduction="10000"/>
+          </a:bodyPr>
+          <a:lstStyle/>
+          <a:p>
+            <a:pPr>
+              <a:buNone/>
+            </a:pPr>
+            <a:r>
+              <a:rPr lang="et-EE" dirty="0" smtClean="0"/>
+              <a:t>Our demonstration: </a:t>
+            </a:r>
+            <a:r>
+              <a:rPr lang="et-EE" dirty="0" smtClean="0">
+                <a:hlinkClick r:id="rId2"/>
+              </a:rPr>
+              <a:t>https://</a:t>
+            </a:r>
+            <a:r>
+              <a:rPr lang="et-EE" dirty="0" smtClean="0">
+                <a:hlinkClick r:id="rId2"/>
+              </a:rPr>
+              <a:t>www.geogebra.org/m/ehd8ff4q</a:t>
+            </a:r>
+            <a:endParaRPr lang="et-EE" dirty="0" smtClean="0"/>
+          </a:p>
+          <a:p>
+            <a:pPr>
+              <a:buNone/>
+            </a:pPr>
+            <a:r>
+              <a:rPr lang="et-EE" dirty="0" smtClean="0"/>
+              <a:t>Our demonstration + examples: </a:t>
+            </a:r>
+            <a:r>
+              <a:rPr lang="et-EE" dirty="0" smtClean="0">
+                <a:hlinkClick r:id="rId3"/>
+              </a:rPr>
+              <a:t>https://</a:t>
+            </a:r>
+            <a:r>
+              <a:rPr lang="et-EE" dirty="0" smtClean="0">
+                <a:hlinkClick r:id="rId3"/>
+              </a:rPr>
+              <a:t>www.geogebra.org/m/bb56r6hr</a:t>
+            </a:r>
+            <a:endParaRPr lang="et-EE" dirty="0" smtClean="0"/>
+          </a:p>
+          <a:p>
+            <a:pPr>
+              <a:buNone/>
+            </a:pPr>
+            <a:r>
+              <a:rPr lang="et-EE" smtClean="0"/>
+              <a:t>A folder containing all materials: </a:t>
+            </a:r>
+            <a:r>
+              <a:rPr lang="et-EE" smtClean="0">
+                <a:hlinkClick r:id="rId4"/>
+              </a:rPr>
+              <a:t>https</a:t>
+            </a:r>
+            <a:r>
+              <a:rPr lang="et-EE" smtClean="0">
+                <a:hlinkClick r:id="rId4"/>
+              </a:rPr>
+              <a:t>://</a:t>
+            </a:r>
+            <a:r>
+              <a:rPr lang="et-EE" smtClean="0">
+                <a:hlinkClick r:id="rId4"/>
+              </a:rPr>
+              <a:t>github.com/rt-tondilt/Constructing-Quadratic-Surface-with-Nine-Points-in-GeoGebra</a:t>
+            </a:r>
+            <a:endParaRPr lang="et-EE" smtClean="0"/>
+          </a:p>
+          <a:p>
+            <a:pPr>
+              <a:buNone/>
+            </a:pPr>
+            <a:endParaRPr lang="et-EE" dirty="0" smtClean="0"/>
+          </a:p>
+          <a:p>
+            <a:pPr>
+              <a:buNone/>
+            </a:pPr>
+            <a:endParaRPr lang="et-EE" dirty="0" smtClean="0"/>
+          </a:p>
+        </p:txBody>
+      </p:sp>
+    </p:spTree>
+  </p:cSld>
+  <p:clrMapOvr>
+    <a:masterClrMapping/>
+  </p:clrMapOvr>
 </p:sld>
 </file>
 
